--- a/docs/Mockups/First Draft/Draft Goals Mockup.pptx
+++ b/docs/Mockups/First Draft/Draft Goals Mockup.pptx
@@ -288,7 +288,7 @@
           <a:p>
             <a:fld id="{ECB3C1DC-EE09-436C-876C-1E4BB35BFE0C}" type="datetimeFigureOut">
               <a:rPr lang="en-US" smtClean="0"/>
-              <a:t>1/14/2014</a:t>
+              <a:t>1/16/2014</a:t>
             </a:fld>
             <a:endParaRPr lang="en-US"/>
           </a:p>
@@ -458,7 +458,7 @@
           <a:p>
             <a:fld id="{ECB3C1DC-EE09-436C-876C-1E4BB35BFE0C}" type="datetimeFigureOut">
               <a:rPr lang="en-US" smtClean="0"/>
-              <a:t>1/14/2014</a:t>
+              <a:t>1/16/2014</a:t>
             </a:fld>
             <a:endParaRPr lang="en-US"/>
           </a:p>
@@ -638,7 +638,7 @@
           <a:p>
             <a:fld id="{ECB3C1DC-EE09-436C-876C-1E4BB35BFE0C}" type="datetimeFigureOut">
               <a:rPr lang="en-US" smtClean="0"/>
-              <a:t>1/14/2014</a:t>
+              <a:t>1/16/2014</a:t>
             </a:fld>
             <a:endParaRPr lang="en-US"/>
           </a:p>
@@ -808,7 +808,7 @@
           <a:p>
             <a:fld id="{ECB3C1DC-EE09-436C-876C-1E4BB35BFE0C}" type="datetimeFigureOut">
               <a:rPr lang="en-US" smtClean="0"/>
-              <a:t>1/14/2014</a:t>
+              <a:t>1/16/2014</a:t>
             </a:fld>
             <a:endParaRPr lang="en-US"/>
           </a:p>
@@ -1054,7 +1054,7 @@
           <a:p>
             <a:fld id="{ECB3C1DC-EE09-436C-876C-1E4BB35BFE0C}" type="datetimeFigureOut">
               <a:rPr lang="en-US" smtClean="0"/>
-              <a:t>1/14/2014</a:t>
+              <a:t>1/16/2014</a:t>
             </a:fld>
             <a:endParaRPr lang="en-US"/>
           </a:p>
@@ -1342,7 +1342,7 @@
           <a:p>
             <a:fld id="{ECB3C1DC-EE09-436C-876C-1E4BB35BFE0C}" type="datetimeFigureOut">
               <a:rPr lang="en-US" smtClean="0"/>
-              <a:t>1/14/2014</a:t>
+              <a:t>1/16/2014</a:t>
             </a:fld>
             <a:endParaRPr lang="en-US"/>
           </a:p>
@@ -1764,7 +1764,7 @@
           <a:p>
             <a:fld id="{ECB3C1DC-EE09-436C-876C-1E4BB35BFE0C}" type="datetimeFigureOut">
               <a:rPr lang="en-US" smtClean="0"/>
-              <a:t>1/14/2014</a:t>
+              <a:t>1/16/2014</a:t>
             </a:fld>
             <a:endParaRPr lang="en-US"/>
           </a:p>
@@ -1882,7 +1882,7 @@
           <a:p>
             <a:fld id="{ECB3C1DC-EE09-436C-876C-1E4BB35BFE0C}" type="datetimeFigureOut">
               <a:rPr lang="en-US" smtClean="0"/>
-              <a:t>1/14/2014</a:t>
+              <a:t>1/16/2014</a:t>
             </a:fld>
             <a:endParaRPr lang="en-US"/>
           </a:p>
@@ -1977,7 +1977,7 @@
           <a:p>
             <a:fld id="{ECB3C1DC-EE09-436C-876C-1E4BB35BFE0C}" type="datetimeFigureOut">
               <a:rPr lang="en-US" smtClean="0"/>
-              <a:t>1/14/2014</a:t>
+              <a:t>1/16/2014</a:t>
             </a:fld>
             <a:endParaRPr lang="en-US"/>
           </a:p>
@@ -2254,7 +2254,7 @@
           <a:p>
             <a:fld id="{ECB3C1DC-EE09-436C-876C-1E4BB35BFE0C}" type="datetimeFigureOut">
               <a:rPr lang="en-US" smtClean="0"/>
-              <a:t>1/14/2014</a:t>
+              <a:t>1/16/2014</a:t>
             </a:fld>
             <a:endParaRPr lang="en-US"/>
           </a:p>
@@ -2507,7 +2507,7 @@
           <a:p>
             <a:fld id="{ECB3C1DC-EE09-436C-876C-1E4BB35BFE0C}" type="datetimeFigureOut">
               <a:rPr lang="en-US" smtClean="0"/>
-              <a:t>1/14/2014</a:t>
+              <a:t>1/16/2014</a:t>
             </a:fld>
             <a:endParaRPr lang="en-US"/>
           </a:p>
@@ -2720,7 +2720,7 @@
           <a:p>
             <a:fld id="{ECB3C1DC-EE09-436C-876C-1E4BB35BFE0C}" type="datetimeFigureOut">
               <a:rPr lang="en-US" smtClean="0"/>
-              <a:t>1/14/2014</a:t>
+              <a:t>1/16/2014</a:t>
             </a:fld>
             <a:endParaRPr lang="en-US"/>
           </a:p>
@@ -4397,8 +4397,8 @@
         </p:nvSpPr>
         <p:spPr>
           <a:xfrm>
-            <a:off x="2114550" y="5438775"/>
-            <a:ext cx="5105400" cy="304800"/>
+            <a:off x="2793201" y="5591175"/>
+            <a:ext cx="3548066" cy="304800"/>
           </a:xfrm>
           <a:prstGeom prst="roundRect">
             <a:avLst/>
@@ -4445,7 +4445,7 @@
                 </a:solidFill>
                 <a:latin typeface="Calibri Light" panose="020F0302020204030204" pitchFamily="34" charset="0"/>
               </a:rPr>
-              <a:t>Enter an activity to add…</a:t>
+              <a:t>Or enter your own…</a:t>
             </a:r>
             <a:endParaRPr lang="en-US" dirty="0">
               <a:solidFill>
@@ -4770,6 +4770,69 @@
                 <a:schemeClr val="tx1"/>
               </a:solidFill>
             </a:endParaRPr>
+          </a:p>
+        </p:txBody>
+      </p:sp>
+      <p:sp>
+        <p:nvSpPr>
+          <p:cNvPr id="37" name="Rectangle 36"/>
+          <p:cNvSpPr/>
+          <p:nvPr/>
+        </p:nvSpPr>
+        <p:spPr>
+          <a:xfrm>
+            <a:off x="2793201" y="5073792"/>
+            <a:ext cx="3548066" cy="330487"/>
+          </a:xfrm>
+          <a:prstGeom prst="rect">
+            <a:avLst/>
+          </a:prstGeom>
+          <a:solidFill>
+            <a:schemeClr val="bg1">
+              <a:lumMod val="95000"/>
+            </a:schemeClr>
+          </a:solidFill>
+          <a:ln w="3175">
+            <a:solidFill>
+              <a:schemeClr val="tx1">
+                <a:lumMod val="50000"/>
+                <a:lumOff val="50000"/>
+              </a:schemeClr>
+            </a:solidFill>
+          </a:ln>
+        </p:spPr>
+        <p:style>
+          <a:lnRef idx="2">
+            <a:schemeClr val="accent1">
+              <a:shade val="50000"/>
+            </a:schemeClr>
+          </a:lnRef>
+          <a:fillRef idx="1">
+            <a:schemeClr val="accent1"/>
+          </a:fillRef>
+          <a:effectRef idx="0">
+            <a:schemeClr val="accent1"/>
+          </a:effectRef>
+          <a:fontRef idx="minor">
+            <a:schemeClr val="lt1"/>
+          </a:fontRef>
+        </p:style>
+        <p:txBody>
+          <a:bodyPr rtlCol="0" anchor="ctr"/>
+          <a:lstStyle/>
+          <a:p>
+            <a:r>
+              <a:rPr lang="en-US" dirty="0" smtClean="0">
+                <a:solidFill>
+                  <a:schemeClr val="tx1">
+                    <a:lumMod val="50000"/>
+                    <a:lumOff val="50000"/>
+                  </a:schemeClr>
+                </a:solidFill>
+                <a:latin typeface="Calibri Light" panose="020F0302020204030204" pitchFamily="34" charset="0"/>
+              </a:rPr>
+              <a:t>Browse through activities to add…</a:t>
+            </a:r>
           </a:p>
         </p:txBody>
       </p:sp>

--- a/docs/Mockups/First Draft/Draft Goals Mockup.pptx
+++ b/docs/Mockups/First Draft/Draft Goals Mockup.pptx
@@ -4120,15 +4120,19 @@
             <a:gsLst>
               <a:gs pos="0">
                 <a:srgbClr val="00B0F0">
-                  <a:lumMod val="20000"/>
-                  <a:lumOff val="80000"/>
+                  <a:lumMod val="40000"/>
+                  <a:lumOff val="60000"/>
                 </a:srgbClr>
               </a:gs>
               <a:gs pos="66000">
-                <a:srgbClr val="00B0F0"/>
+                <a:srgbClr val="00B0F0">
+                  <a:lumMod val="84000"/>
+                </a:srgbClr>
               </a:gs>
               <a:gs pos="100000">
-                <a:srgbClr val="00B0F0"/>
+                <a:srgbClr val="00B0F0">
+                  <a:lumMod val="84000"/>
+                </a:srgbClr>
               </a:gs>
             </a:gsLst>
             <a:lin ang="16200000" scaled="1"/>
@@ -4677,7 +4681,7 @@
         </p:nvSpPr>
         <p:spPr>
           <a:xfrm>
-            <a:off x="9525" y="1650711"/>
+            <a:off x="1995487" y="2317459"/>
             <a:ext cx="581025" cy="3378489"/>
           </a:xfrm>
           <a:prstGeom prst="rect">
@@ -4846,6 +4850,13 @@
   <p:clrMapOvr>
     <a:masterClrMapping/>
   </p:clrMapOvr>
+  <p:timing>
+    <p:tnLst>
+      <p:par>
+        <p:cTn id="1" dur="indefinite" restart="never" nodeType="tmRoot"/>
+      </p:par>
+    </p:tnLst>
+  </p:timing>
 </p:sld>
 </file>
 

--- a/docs/Mockups/First Draft/Draft Goals Mockup.pptx
+++ b/docs/Mockups/First Draft/Draft Goals Mockup.pptx
@@ -288,7 +288,7 @@
           <a:p>
             <a:fld id="{ECB3C1DC-EE09-436C-876C-1E4BB35BFE0C}" type="datetimeFigureOut">
               <a:rPr lang="en-US" smtClean="0"/>
-              <a:t>1/16/2014</a:t>
+              <a:t>1/18/2014</a:t>
             </a:fld>
             <a:endParaRPr lang="en-US"/>
           </a:p>
@@ -458,7 +458,7 @@
           <a:p>
             <a:fld id="{ECB3C1DC-EE09-436C-876C-1E4BB35BFE0C}" type="datetimeFigureOut">
               <a:rPr lang="en-US" smtClean="0"/>
-              <a:t>1/16/2014</a:t>
+              <a:t>1/18/2014</a:t>
             </a:fld>
             <a:endParaRPr lang="en-US"/>
           </a:p>
@@ -638,7 +638,7 @@
           <a:p>
             <a:fld id="{ECB3C1DC-EE09-436C-876C-1E4BB35BFE0C}" type="datetimeFigureOut">
               <a:rPr lang="en-US" smtClean="0"/>
-              <a:t>1/16/2014</a:t>
+              <a:t>1/18/2014</a:t>
             </a:fld>
             <a:endParaRPr lang="en-US"/>
           </a:p>
@@ -808,7 +808,7 @@
           <a:p>
             <a:fld id="{ECB3C1DC-EE09-436C-876C-1E4BB35BFE0C}" type="datetimeFigureOut">
               <a:rPr lang="en-US" smtClean="0"/>
-              <a:t>1/16/2014</a:t>
+              <a:t>1/18/2014</a:t>
             </a:fld>
             <a:endParaRPr lang="en-US"/>
           </a:p>
@@ -1054,7 +1054,7 @@
           <a:p>
             <a:fld id="{ECB3C1DC-EE09-436C-876C-1E4BB35BFE0C}" type="datetimeFigureOut">
               <a:rPr lang="en-US" smtClean="0"/>
-              <a:t>1/16/2014</a:t>
+              <a:t>1/18/2014</a:t>
             </a:fld>
             <a:endParaRPr lang="en-US"/>
           </a:p>
@@ -1342,7 +1342,7 @@
           <a:p>
             <a:fld id="{ECB3C1DC-EE09-436C-876C-1E4BB35BFE0C}" type="datetimeFigureOut">
               <a:rPr lang="en-US" smtClean="0"/>
-              <a:t>1/16/2014</a:t>
+              <a:t>1/18/2014</a:t>
             </a:fld>
             <a:endParaRPr lang="en-US"/>
           </a:p>
@@ -1764,7 +1764,7 @@
           <a:p>
             <a:fld id="{ECB3C1DC-EE09-436C-876C-1E4BB35BFE0C}" type="datetimeFigureOut">
               <a:rPr lang="en-US" smtClean="0"/>
-              <a:t>1/16/2014</a:t>
+              <a:t>1/18/2014</a:t>
             </a:fld>
             <a:endParaRPr lang="en-US"/>
           </a:p>
@@ -1882,7 +1882,7 @@
           <a:p>
             <a:fld id="{ECB3C1DC-EE09-436C-876C-1E4BB35BFE0C}" type="datetimeFigureOut">
               <a:rPr lang="en-US" smtClean="0"/>
-              <a:t>1/16/2014</a:t>
+              <a:t>1/18/2014</a:t>
             </a:fld>
             <a:endParaRPr lang="en-US"/>
           </a:p>
@@ -1977,7 +1977,7 @@
           <a:p>
             <a:fld id="{ECB3C1DC-EE09-436C-876C-1E4BB35BFE0C}" type="datetimeFigureOut">
               <a:rPr lang="en-US" smtClean="0"/>
-              <a:t>1/16/2014</a:t>
+              <a:t>1/18/2014</a:t>
             </a:fld>
             <a:endParaRPr lang="en-US"/>
           </a:p>
@@ -2254,7 +2254,7 @@
           <a:p>
             <a:fld id="{ECB3C1DC-EE09-436C-876C-1E4BB35BFE0C}" type="datetimeFigureOut">
               <a:rPr lang="en-US" smtClean="0"/>
-              <a:t>1/16/2014</a:t>
+              <a:t>1/18/2014</a:t>
             </a:fld>
             <a:endParaRPr lang="en-US"/>
           </a:p>
@@ -2507,7 +2507,7 @@
           <a:p>
             <a:fld id="{ECB3C1DC-EE09-436C-876C-1E4BB35BFE0C}" type="datetimeFigureOut">
               <a:rPr lang="en-US" smtClean="0"/>
-              <a:t>1/16/2014</a:t>
+              <a:t>1/18/2014</a:t>
             </a:fld>
             <a:endParaRPr lang="en-US"/>
           </a:p>
@@ -2720,7 +2720,7 @@
           <a:p>
             <a:fld id="{ECB3C1DC-EE09-436C-876C-1E4BB35BFE0C}" type="datetimeFigureOut">
               <a:rPr lang="en-US" smtClean="0"/>
-              <a:t>1/16/2014</a:t>
+              <a:t>1/18/2014</a:t>
             </a:fld>
             <a:endParaRPr lang="en-US"/>
           </a:p>
@@ -4681,8 +4681,8 @@
         </p:nvSpPr>
         <p:spPr>
           <a:xfrm>
-            <a:off x="1995487" y="2317459"/>
-            <a:ext cx="581025" cy="3378489"/>
+            <a:off x="6400799" y="4178155"/>
+            <a:ext cx="581025" cy="1689245"/>
           </a:xfrm>
           <a:prstGeom prst="rect">
             <a:avLst/>
@@ -4733,7 +4733,7 @@
         </p:nvSpPr>
         <p:spPr>
           <a:xfrm>
-            <a:off x="2650332" y="2667000"/>
+            <a:off x="6981824" y="3596692"/>
             <a:ext cx="495305" cy="2362200"/>
           </a:xfrm>
           <a:prstGeom prst="rect">

--- a/docs/Mockups/First Draft/Draft Goals Mockup.pptx
+++ b/docs/Mockups/First Draft/Draft Goals Mockup.pptx
@@ -3706,7 +3706,7 @@
         </p:nvSpPr>
         <p:spPr>
           <a:xfrm>
-            <a:off x="3200400" y="1650711"/>
+            <a:off x="2971800" y="1650711"/>
             <a:ext cx="3481386" cy="381000"/>
           </a:xfrm>
           <a:prstGeom prst="rect">
@@ -3752,7 +3752,7 @@
         </p:nvSpPr>
         <p:spPr>
           <a:xfrm>
-            <a:off x="3148014" y="2876552"/>
+            <a:off x="2919414" y="2876552"/>
             <a:ext cx="3481386" cy="381000"/>
           </a:xfrm>
           <a:prstGeom prst="rect">
@@ -3798,7 +3798,7 @@
         </p:nvSpPr>
         <p:spPr>
           <a:xfrm>
-            <a:off x="3200400" y="2050760"/>
+            <a:off x="2971800" y="2050760"/>
             <a:ext cx="4572000" cy="114302"/>
           </a:xfrm>
           <a:prstGeom prst="rect">
@@ -3853,7 +3853,7 @@
         </p:nvSpPr>
         <p:spPr>
           <a:xfrm>
-            <a:off x="3193257" y="3252934"/>
+            <a:off x="2964657" y="3252934"/>
             <a:ext cx="4572000" cy="114302"/>
           </a:xfrm>
           <a:prstGeom prst="rect">
@@ -3908,7 +3908,7 @@
         </p:nvSpPr>
         <p:spPr>
           <a:xfrm>
-            <a:off x="5486400" y="3257552"/>
+            <a:off x="5257800" y="3257552"/>
             <a:ext cx="2286000" cy="114302"/>
           </a:xfrm>
           <a:prstGeom prst="rect">
@@ -3957,234 +3957,13 @@
       </p:sp>
       <p:sp>
         <p:nvSpPr>
-          <p:cNvPr id="34" name="Chevron 33"/>
-          <p:cNvSpPr/>
-          <p:nvPr/>
-        </p:nvSpPr>
-        <p:spPr>
-          <a:xfrm>
-            <a:off x="8305800" y="1555459"/>
-            <a:ext cx="533400" cy="762000"/>
-          </a:xfrm>
-          <a:prstGeom prst="chevron">
-            <a:avLst/>
-          </a:prstGeom>
-          <a:gradFill flip="none" rotWithShape="1">
-            <a:gsLst>
-              <a:gs pos="0">
-                <a:srgbClr val="00B050">
-                  <a:lumMod val="20000"/>
-                  <a:lumOff val="80000"/>
-                </a:srgbClr>
-              </a:gs>
-              <a:gs pos="75000">
-                <a:srgbClr val="00B050"/>
-              </a:gs>
-              <a:gs pos="100000">
-                <a:srgbClr val="00B050"/>
-              </a:gs>
-            </a:gsLst>
-            <a:lin ang="10800000" scaled="1"/>
-            <a:tileRect/>
-          </a:gradFill>
-          <a:ln w="3175">
-            <a:solidFill>
-              <a:schemeClr val="tx1">
-                <a:lumMod val="85000"/>
-                <a:lumOff val="15000"/>
-              </a:schemeClr>
-            </a:solidFill>
-          </a:ln>
-        </p:spPr>
-        <p:style>
-          <a:lnRef idx="2">
-            <a:schemeClr val="accent1">
-              <a:shade val="50000"/>
-            </a:schemeClr>
-          </a:lnRef>
-          <a:fillRef idx="1">
-            <a:schemeClr val="accent1"/>
-          </a:fillRef>
-          <a:effectRef idx="0">
-            <a:schemeClr val="accent1"/>
-          </a:effectRef>
-          <a:fontRef idx="minor">
-            <a:schemeClr val="lt1"/>
-          </a:fontRef>
-        </p:style>
-        <p:txBody>
-          <a:bodyPr rtlCol="0" anchor="ctr"/>
-          <a:lstStyle/>
-          <a:p>
-            <a:pPr algn="ctr"/>
-            <a:endParaRPr lang="en-US">
-              <a:solidFill>
-                <a:schemeClr val="tx1">
-                  <a:lumMod val="75000"/>
-                  <a:lumOff val="25000"/>
-                </a:schemeClr>
-              </a:solidFill>
-            </a:endParaRPr>
-          </a:p>
-        </p:txBody>
-      </p:sp>
-      <p:sp>
-        <p:nvSpPr>
-          <p:cNvPr id="35" name="Chevron 34"/>
-          <p:cNvSpPr/>
-          <p:nvPr/>
-        </p:nvSpPr>
-        <p:spPr>
-          <a:xfrm>
-            <a:off x="8305800" y="2900508"/>
-            <a:ext cx="533400" cy="762000"/>
-          </a:xfrm>
-          <a:prstGeom prst="chevron">
-            <a:avLst/>
-          </a:prstGeom>
-          <a:gradFill flip="none" rotWithShape="1">
-            <a:gsLst>
-              <a:gs pos="0">
-                <a:schemeClr val="bg1">
-                  <a:lumMod val="24000"/>
-                  <a:lumOff val="76000"/>
-                </a:schemeClr>
-              </a:gs>
-              <a:gs pos="87000">
-                <a:schemeClr val="bg1">
-                  <a:lumMod val="90000"/>
-                </a:schemeClr>
-              </a:gs>
-              <a:gs pos="100000">
-                <a:schemeClr val="bg1">
-                  <a:lumMod val="90000"/>
-                </a:schemeClr>
-              </a:gs>
-            </a:gsLst>
-            <a:lin ang="10800000" scaled="1"/>
-            <a:tileRect/>
-          </a:gradFill>
-          <a:ln w="3175">
-            <a:solidFill>
-              <a:schemeClr val="tx1">
-                <a:lumMod val="85000"/>
-                <a:lumOff val="15000"/>
-              </a:schemeClr>
-            </a:solidFill>
-          </a:ln>
-        </p:spPr>
-        <p:style>
-          <a:lnRef idx="2">
-            <a:schemeClr val="accent1">
-              <a:shade val="50000"/>
-            </a:schemeClr>
-          </a:lnRef>
-          <a:fillRef idx="1">
-            <a:schemeClr val="accent1"/>
-          </a:fillRef>
-          <a:effectRef idx="0">
-            <a:schemeClr val="accent1"/>
-          </a:effectRef>
-          <a:fontRef idx="minor">
-            <a:schemeClr val="lt1"/>
-          </a:fontRef>
-        </p:style>
-        <p:txBody>
-          <a:bodyPr rtlCol="0" anchor="ctr"/>
-          <a:lstStyle/>
-          <a:p>
-            <a:pPr algn="ctr"/>
-            <a:endParaRPr lang="en-US">
-              <a:solidFill>
-                <a:schemeClr val="tx1"/>
-              </a:solidFill>
-            </a:endParaRPr>
-          </a:p>
-        </p:txBody>
-      </p:sp>
-      <p:sp>
-        <p:nvSpPr>
-          <p:cNvPr id="36" name="Chevron 35"/>
-          <p:cNvSpPr/>
-          <p:nvPr/>
-        </p:nvSpPr>
-        <p:spPr>
-          <a:xfrm rot="16200000">
-            <a:off x="8305800" y="4109738"/>
-            <a:ext cx="533400" cy="762000"/>
-          </a:xfrm>
-          <a:prstGeom prst="chevron">
-            <a:avLst/>
-          </a:prstGeom>
-          <a:gradFill flip="none" rotWithShape="1">
-            <a:gsLst>
-              <a:gs pos="0">
-                <a:srgbClr val="00B0F0">
-                  <a:lumMod val="40000"/>
-                  <a:lumOff val="60000"/>
-                </a:srgbClr>
-              </a:gs>
-              <a:gs pos="66000">
-                <a:srgbClr val="00B0F0">
-                  <a:lumMod val="84000"/>
-                </a:srgbClr>
-              </a:gs>
-              <a:gs pos="100000">
-                <a:srgbClr val="00B0F0">
-                  <a:lumMod val="84000"/>
-                </a:srgbClr>
-              </a:gs>
-            </a:gsLst>
-            <a:lin ang="16200000" scaled="1"/>
-            <a:tileRect/>
-          </a:gradFill>
-          <a:ln w="3175">
-            <a:solidFill>
-              <a:schemeClr val="tx1">
-                <a:lumMod val="85000"/>
-                <a:lumOff val="15000"/>
-              </a:schemeClr>
-            </a:solidFill>
-          </a:ln>
-        </p:spPr>
-        <p:style>
-          <a:lnRef idx="2">
-            <a:schemeClr val="accent1">
-              <a:shade val="50000"/>
-            </a:schemeClr>
-          </a:lnRef>
-          <a:fillRef idx="1">
-            <a:schemeClr val="accent1"/>
-          </a:fillRef>
-          <a:effectRef idx="0">
-            <a:schemeClr val="accent1"/>
-          </a:effectRef>
-          <a:fontRef idx="minor">
-            <a:schemeClr val="lt1"/>
-          </a:fontRef>
-        </p:style>
-        <p:txBody>
-          <a:bodyPr rtlCol="0" anchor="ctr"/>
-          <a:lstStyle/>
-          <a:p>
-            <a:pPr algn="ctr"/>
-            <a:endParaRPr lang="en-US">
-              <a:solidFill>
-                <a:schemeClr val="tx1"/>
-              </a:solidFill>
-            </a:endParaRPr>
-          </a:p>
-        </p:txBody>
-      </p:sp>
-      <p:sp>
-        <p:nvSpPr>
           <p:cNvPr id="21" name="Plus 20"/>
           <p:cNvSpPr/>
           <p:nvPr/>
         </p:nvSpPr>
         <p:spPr>
           <a:xfrm>
-            <a:off x="2650332" y="1752601"/>
+            <a:off x="8153400" y="1778290"/>
             <a:ext cx="457200" cy="386772"/>
           </a:xfrm>
           <a:prstGeom prst="mathPlus">
@@ -4254,7 +4033,7 @@
         </p:nvSpPr>
         <p:spPr>
           <a:xfrm>
-            <a:off x="2650332" y="2991856"/>
+            <a:off x="8153390" y="2991856"/>
             <a:ext cx="457200" cy="402077"/>
           </a:xfrm>
           <a:prstGeom prst="mathPlus">
@@ -4328,7 +4107,7 @@
         </p:nvSpPr>
         <p:spPr>
           <a:xfrm>
-            <a:off x="2650332" y="4269647"/>
+            <a:off x="8153380" y="4198347"/>
             <a:ext cx="457210" cy="431513"/>
           </a:xfrm>
           <a:prstGeom prst="mathPlus">
@@ -4337,20 +4116,20 @@
           <a:gradFill>
             <a:gsLst>
               <a:gs pos="0">
-                <a:schemeClr val="bg1">
-                  <a:lumMod val="23000"/>
-                  <a:lumOff val="77000"/>
-                </a:schemeClr>
+                <a:srgbClr val="FFC000">
+                  <a:lumMod val="28000"/>
+                  <a:lumOff val="72000"/>
+                </a:srgbClr>
               </a:gs>
-              <a:gs pos="66000">
-                <a:schemeClr val="bg1">
-                  <a:lumMod val="85000"/>
-                </a:schemeClr>
+              <a:gs pos="57000">
+                <a:srgbClr val="FFC000">
+                  <a:lumMod val="100000"/>
+                </a:srgbClr>
               </a:gs>
               <a:gs pos="100000">
-                <a:schemeClr val="bg1">
-                  <a:lumMod val="85000"/>
-                </a:schemeClr>
+                <a:srgbClr val="FFC000">
+                  <a:lumMod val="100000"/>
+                </a:srgbClr>
               </a:gs>
             </a:gsLst>
             <a:lin ang="10800000" scaled="1"/>
@@ -4390,286 +4169,6 @@
                 <a:schemeClr val="tx1"/>
               </a:solidFill>
             </a:endParaRPr>
-          </a:p>
-        </p:txBody>
-      </p:sp>
-      <p:sp>
-        <p:nvSpPr>
-          <p:cNvPr id="24" name="Rounded Rectangle 23"/>
-          <p:cNvSpPr/>
-          <p:nvPr/>
-        </p:nvSpPr>
-        <p:spPr>
-          <a:xfrm>
-            <a:off x="2793201" y="5591175"/>
-            <a:ext cx="3548066" cy="304800"/>
-          </a:xfrm>
-          <a:prstGeom prst="roundRect">
-            <a:avLst/>
-          </a:prstGeom>
-          <a:solidFill>
-            <a:schemeClr val="bg1"/>
-          </a:solidFill>
-          <a:ln w="3175">
-            <a:solidFill>
-              <a:schemeClr val="tx1">
-                <a:lumMod val="75000"/>
-                <a:lumOff val="25000"/>
-              </a:schemeClr>
-            </a:solidFill>
-          </a:ln>
-        </p:spPr>
-        <p:style>
-          <a:lnRef idx="2">
-            <a:schemeClr val="accent1">
-              <a:shade val="50000"/>
-            </a:schemeClr>
-          </a:lnRef>
-          <a:fillRef idx="1">
-            <a:schemeClr val="accent1"/>
-          </a:fillRef>
-          <a:effectRef idx="0">
-            <a:schemeClr val="accent1"/>
-          </a:effectRef>
-          <a:fontRef idx="minor">
-            <a:schemeClr val="lt1"/>
-          </a:fontRef>
-        </p:style>
-        <p:txBody>
-          <a:bodyPr rtlCol="0" anchor="ctr"/>
-          <a:lstStyle/>
-          <a:p>
-            <a:r>
-              <a:rPr lang="en-US" dirty="0" smtClean="0">
-                <a:solidFill>
-                  <a:schemeClr val="tx1">
-                    <a:lumMod val="50000"/>
-                    <a:lumOff val="50000"/>
-                  </a:schemeClr>
-                </a:solidFill>
-                <a:latin typeface="Calibri Light" panose="020F0302020204030204" pitchFamily="34" charset="0"/>
-              </a:rPr>
-              <a:t>Or enter your own…</a:t>
-            </a:r>
-            <a:endParaRPr lang="en-US" dirty="0">
-              <a:solidFill>
-                <a:schemeClr val="tx1">
-                  <a:lumMod val="50000"/>
-                  <a:lumOff val="50000"/>
-                </a:schemeClr>
-              </a:solidFill>
-              <a:latin typeface="Calibri Light" panose="020F0302020204030204" pitchFamily="34" charset="0"/>
-            </a:endParaRPr>
-          </a:p>
-        </p:txBody>
-      </p:sp>
-      <p:sp>
-        <p:nvSpPr>
-          <p:cNvPr id="26" name="Multiply 25"/>
-          <p:cNvSpPr/>
-          <p:nvPr/>
-        </p:nvSpPr>
-        <p:spPr>
-          <a:xfrm>
-            <a:off x="95250" y="1745959"/>
-            <a:ext cx="381000" cy="381000"/>
-          </a:xfrm>
-          <a:prstGeom prst="mathMultiply">
-            <a:avLst/>
-          </a:prstGeom>
-          <a:gradFill flip="none" rotWithShape="1">
-            <a:gsLst>
-              <a:gs pos="0">
-                <a:schemeClr val="bg1">
-                  <a:lumMod val="24000"/>
-                  <a:lumOff val="76000"/>
-                </a:schemeClr>
-              </a:gs>
-              <a:gs pos="63000">
-                <a:schemeClr val="bg1">
-                  <a:lumMod val="85000"/>
-                </a:schemeClr>
-              </a:gs>
-              <a:gs pos="100000">
-                <a:schemeClr val="bg1">
-                  <a:lumMod val="85000"/>
-                </a:schemeClr>
-              </a:gs>
-            </a:gsLst>
-            <a:lin ang="10800000" scaled="1"/>
-            <a:tileRect/>
-          </a:gradFill>
-          <a:ln w="3175">
-            <a:solidFill>
-              <a:schemeClr val="tx1">
-                <a:lumMod val="85000"/>
-                <a:lumOff val="15000"/>
-              </a:schemeClr>
-            </a:solidFill>
-          </a:ln>
-        </p:spPr>
-        <p:style>
-          <a:lnRef idx="2">
-            <a:schemeClr val="accent1">
-              <a:shade val="50000"/>
-            </a:schemeClr>
-          </a:lnRef>
-          <a:fillRef idx="1">
-            <a:schemeClr val="accent1"/>
-          </a:fillRef>
-          <a:effectRef idx="0">
-            <a:schemeClr val="accent1"/>
-          </a:effectRef>
-          <a:fontRef idx="minor">
-            <a:schemeClr val="lt1"/>
-          </a:fontRef>
-        </p:style>
-        <p:txBody>
-          <a:bodyPr rtlCol="0" anchor="ctr"/>
-          <a:lstStyle/>
-          <a:p>
-            <a:pPr algn="ctr"/>
-            <a:endParaRPr lang="en-US"/>
-          </a:p>
-        </p:txBody>
-      </p:sp>
-      <p:sp>
-        <p:nvSpPr>
-          <p:cNvPr id="28" name="Multiply 27"/>
-          <p:cNvSpPr/>
-          <p:nvPr/>
-        </p:nvSpPr>
-        <p:spPr>
-          <a:xfrm>
-            <a:off x="95250" y="4294904"/>
-            <a:ext cx="381000" cy="381000"/>
-          </a:xfrm>
-          <a:prstGeom prst="mathMultiply">
-            <a:avLst/>
-          </a:prstGeom>
-          <a:gradFill flip="none" rotWithShape="1">
-            <a:gsLst>
-              <a:gs pos="0">
-                <a:schemeClr val="bg1">
-                  <a:lumMod val="24000"/>
-                  <a:lumOff val="76000"/>
-                </a:schemeClr>
-              </a:gs>
-              <a:gs pos="63000">
-                <a:schemeClr val="bg1">
-                  <a:lumMod val="85000"/>
-                </a:schemeClr>
-              </a:gs>
-              <a:gs pos="100000">
-                <a:schemeClr val="bg1">
-                  <a:lumMod val="85000"/>
-                </a:schemeClr>
-              </a:gs>
-            </a:gsLst>
-            <a:lin ang="10800000" scaled="1"/>
-            <a:tileRect/>
-          </a:gradFill>
-          <a:ln w="3175">
-            <a:solidFill>
-              <a:schemeClr val="tx1">
-                <a:lumMod val="85000"/>
-                <a:lumOff val="15000"/>
-              </a:schemeClr>
-            </a:solidFill>
-          </a:ln>
-        </p:spPr>
-        <p:style>
-          <a:lnRef idx="2">
-            <a:schemeClr val="accent1">
-              <a:shade val="50000"/>
-            </a:schemeClr>
-          </a:lnRef>
-          <a:fillRef idx="1">
-            <a:schemeClr val="accent1"/>
-          </a:fillRef>
-          <a:effectRef idx="0">
-            <a:schemeClr val="accent1"/>
-          </a:effectRef>
-          <a:fontRef idx="minor">
-            <a:schemeClr val="lt1"/>
-          </a:fontRef>
-        </p:style>
-        <p:txBody>
-          <a:bodyPr rtlCol="0" anchor="ctr"/>
-          <a:lstStyle/>
-          <a:p>
-            <a:pPr algn="ctr"/>
-            <a:endParaRPr lang="en-US"/>
-          </a:p>
-        </p:txBody>
-      </p:sp>
-      <p:sp>
-        <p:nvSpPr>
-          <p:cNvPr id="30" name="Multiply 29"/>
-          <p:cNvSpPr/>
-          <p:nvPr/>
-        </p:nvSpPr>
-        <p:spPr>
-          <a:xfrm>
-            <a:off x="95250" y="3002394"/>
-            <a:ext cx="381000" cy="381000"/>
-          </a:xfrm>
-          <a:prstGeom prst="mathMultiply">
-            <a:avLst/>
-          </a:prstGeom>
-          <a:gradFill flip="none" rotWithShape="1">
-            <a:gsLst>
-              <a:gs pos="0">
-                <a:schemeClr val="bg1">
-                  <a:lumMod val="24000"/>
-                  <a:lumOff val="76000"/>
-                </a:schemeClr>
-              </a:gs>
-              <a:gs pos="63000">
-                <a:schemeClr val="bg1">
-                  <a:lumMod val="85000"/>
-                </a:schemeClr>
-              </a:gs>
-              <a:gs pos="100000">
-                <a:schemeClr val="bg1">
-                  <a:lumMod val="85000"/>
-                </a:schemeClr>
-              </a:gs>
-            </a:gsLst>
-            <a:lin ang="10800000" scaled="1"/>
-            <a:tileRect/>
-          </a:gradFill>
-          <a:ln w="3175">
-            <a:solidFill>
-              <a:schemeClr val="tx1">
-                <a:lumMod val="85000"/>
-                <a:lumOff val="15000"/>
-              </a:schemeClr>
-            </a:solidFill>
-          </a:ln>
-        </p:spPr>
-        <p:style>
-          <a:lnRef idx="2">
-            <a:schemeClr val="accent1">
-              <a:shade val="50000"/>
-            </a:schemeClr>
-          </a:lnRef>
-          <a:fillRef idx="1">
-            <a:schemeClr val="accent1"/>
-          </a:fillRef>
-          <a:effectRef idx="0">
-            <a:schemeClr val="accent1"/>
-          </a:effectRef>
-          <a:fontRef idx="minor">
-            <a:schemeClr val="lt1"/>
-          </a:fontRef>
-        </p:style>
-        <p:txBody>
-          <a:bodyPr rtlCol="0" anchor="ctr"/>
-          <a:lstStyle/>
-          <a:p>
-            <a:pPr algn="ctr"/>
-            <a:endParaRPr lang="en-US"/>
           </a:p>
         </p:txBody>
       </p:sp>
@@ -4774,69 +4273,6 @@
                 <a:schemeClr val="tx1"/>
               </a:solidFill>
             </a:endParaRPr>
-          </a:p>
-        </p:txBody>
-      </p:sp>
-      <p:sp>
-        <p:nvSpPr>
-          <p:cNvPr id="37" name="Rectangle 36"/>
-          <p:cNvSpPr/>
-          <p:nvPr/>
-        </p:nvSpPr>
-        <p:spPr>
-          <a:xfrm>
-            <a:off x="2793201" y="5073792"/>
-            <a:ext cx="3548066" cy="330487"/>
-          </a:xfrm>
-          <a:prstGeom prst="rect">
-            <a:avLst/>
-          </a:prstGeom>
-          <a:solidFill>
-            <a:schemeClr val="bg1">
-              <a:lumMod val="95000"/>
-            </a:schemeClr>
-          </a:solidFill>
-          <a:ln w="3175">
-            <a:solidFill>
-              <a:schemeClr val="tx1">
-                <a:lumMod val="50000"/>
-                <a:lumOff val="50000"/>
-              </a:schemeClr>
-            </a:solidFill>
-          </a:ln>
-        </p:spPr>
-        <p:style>
-          <a:lnRef idx="2">
-            <a:schemeClr val="accent1">
-              <a:shade val="50000"/>
-            </a:schemeClr>
-          </a:lnRef>
-          <a:fillRef idx="1">
-            <a:schemeClr val="accent1"/>
-          </a:fillRef>
-          <a:effectRef idx="0">
-            <a:schemeClr val="accent1"/>
-          </a:effectRef>
-          <a:fontRef idx="minor">
-            <a:schemeClr val="lt1"/>
-          </a:fontRef>
-        </p:style>
-        <p:txBody>
-          <a:bodyPr rtlCol="0" anchor="ctr"/>
-          <a:lstStyle/>
-          <a:p>
-            <a:r>
-              <a:rPr lang="en-US" dirty="0" smtClean="0">
-                <a:solidFill>
-                  <a:schemeClr val="tx1">
-                    <a:lumMod val="50000"/>
-                    <a:lumOff val="50000"/>
-                  </a:schemeClr>
-                </a:solidFill>
-                <a:latin typeface="Calibri Light" panose="020F0302020204030204" pitchFamily="34" charset="0"/>
-              </a:rPr>
-              <a:t>Browse through activities to add…</a:t>
-            </a:r>
           </a:p>
         </p:txBody>
       </p:sp>

--- a/docs/Mockups/First Draft/Draft Goals Mockup.pptx
+++ b/docs/Mockups/First Draft/Draft Goals Mockup.pptx
@@ -288,7 +288,7 @@
           <a:p>
             <a:fld id="{ECB3C1DC-EE09-436C-876C-1E4BB35BFE0C}" type="datetimeFigureOut">
               <a:rPr lang="en-US" smtClean="0"/>
-              <a:t>1/18/2014</a:t>
+              <a:t>1/20/2014</a:t>
             </a:fld>
             <a:endParaRPr lang="en-US"/>
           </a:p>
@@ -458,7 +458,7 @@
           <a:p>
             <a:fld id="{ECB3C1DC-EE09-436C-876C-1E4BB35BFE0C}" type="datetimeFigureOut">
               <a:rPr lang="en-US" smtClean="0"/>
-              <a:t>1/18/2014</a:t>
+              <a:t>1/20/2014</a:t>
             </a:fld>
             <a:endParaRPr lang="en-US"/>
           </a:p>
@@ -638,7 +638,7 @@
           <a:p>
             <a:fld id="{ECB3C1DC-EE09-436C-876C-1E4BB35BFE0C}" type="datetimeFigureOut">
               <a:rPr lang="en-US" smtClean="0"/>
-              <a:t>1/18/2014</a:t>
+              <a:t>1/20/2014</a:t>
             </a:fld>
             <a:endParaRPr lang="en-US"/>
           </a:p>
@@ -808,7 +808,7 @@
           <a:p>
             <a:fld id="{ECB3C1DC-EE09-436C-876C-1E4BB35BFE0C}" type="datetimeFigureOut">
               <a:rPr lang="en-US" smtClean="0"/>
-              <a:t>1/18/2014</a:t>
+              <a:t>1/20/2014</a:t>
             </a:fld>
             <a:endParaRPr lang="en-US"/>
           </a:p>
@@ -1054,7 +1054,7 @@
           <a:p>
             <a:fld id="{ECB3C1DC-EE09-436C-876C-1E4BB35BFE0C}" type="datetimeFigureOut">
               <a:rPr lang="en-US" smtClean="0"/>
-              <a:t>1/18/2014</a:t>
+              <a:t>1/20/2014</a:t>
             </a:fld>
             <a:endParaRPr lang="en-US"/>
           </a:p>
@@ -1342,7 +1342,7 @@
           <a:p>
             <a:fld id="{ECB3C1DC-EE09-436C-876C-1E4BB35BFE0C}" type="datetimeFigureOut">
               <a:rPr lang="en-US" smtClean="0"/>
-              <a:t>1/18/2014</a:t>
+              <a:t>1/20/2014</a:t>
             </a:fld>
             <a:endParaRPr lang="en-US"/>
           </a:p>
@@ -1764,7 +1764,7 @@
           <a:p>
             <a:fld id="{ECB3C1DC-EE09-436C-876C-1E4BB35BFE0C}" type="datetimeFigureOut">
               <a:rPr lang="en-US" smtClean="0"/>
-              <a:t>1/18/2014</a:t>
+              <a:t>1/20/2014</a:t>
             </a:fld>
             <a:endParaRPr lang="en-US"/>
           </a:p>
@@ -1882,7 +1882,7 @@
           <a:p>
             <a:fld id="{ECB3C1DC-EE09-436C-876C-1E4BB35BFE0C}" type="datetimeFigureOut">
               <a:rPr lang="en-US" smtClean="0"/>
-              <a:t>1/18/2014</a:t>
+              <a:t>1/20/2014</a:t>
             </a:fld>
             <a:endParaRPr lang="en-US"/>
           </a:p>
@@ -1977,7 +1977,7 @@
           <a:p>
             <a:fld id="{ECB3C1DC-EE09-436C-876C-1E4BB35BFE0C}" type="datetimeFigureOut">
               <a:rPr lang="en-US" smtClean="0"/>
-              <a:t>1/18/2014</a:t>
+              <a:t>1/20/2014</a:t>
             </a:fld>
             <a:endParaRPr lang="en-US"/>
           </a:p>
@@ -2254,7 +2254,7 @@
           <a:p>
             <a:fld id="{ECB3C1DC-EE09-436C-876C-1E4BB35BFE0C}" type="datetimeFigureOut">
               <a:rPr lang="en-US" smtClean="0"/>
-              <a:t>1/18/2014</a:t>
+              <a:t>1/20/2014</a:t>
             </a:fld>
             <a:endParaRPr lang="en-US"/>
           </a:p>
@@ -2507,7 +2507,7 @@
           <a:p>
             <a:fld id="{ECB3C1DC-EE09-436C-876C-1E4BB35BFE0C}" type="datetimeFigureOut">
               <a:rPr lang="en-US" smtClean="0"/>
-              <a:t>1/18/2014</a:t>
+              <a:t>1/20/2014</a:t>
             </a:fld>
             <a:endParaRPr lang="en-US"/>
           </a:p>
@@ -2720,7 +2720,7 @@
           <a:p>
             <a:fld id="{ECB3C1DC-EE09-436C-876C-1E4BB35BFE0C}" type="datetimeFigureOut">
               <a:rPr lang="en-US" smtClean="0"/>
-              <a:t>1/18/2014</a:t>
+              <a:t>1/20/2014</a:t>
             </a:fld>
             <a:endParaRPr lang="en-US"/>
           </a:p>
@@ -3908,7 +3908,7 @@
         </p:nvSpPr>
         <p:spPr>
           <a:xfrm>
-            <a:off x="5257800" y="3257552"/>
+            <a:off x="5257800" y="3252934"/>
             <a:ext cx="2286000" cy="114302"/>
           </a:xfrm>
           <a:prstGeom prst="rect">
@@ -4108,7 +4108,7 @@
         <p:spPr>
           <a:xfrm>
             <a:off x="8153380" y="4198347"/>
-            <a:ext cx="457210" cy="431513"/>
+            <a:ext cx="365760" cy="365760"/>
           </a:xfrm>
           <a:prstGeom prst="mathPlus">
             <a:avLst/>
@@ -4116,25 +4116,22 @@
           <a:gradFill>
             <a:gsLst>
               <a:gs pos="0">
-                <a:srgbClr val="FFC000">
-                  <a:lumMod val="28000"/>
-                  <a:lumOff val="72000"/>
-                </a:srgbClr>
+                <a:schemeClr val="bg1"/>
               </a:gs>
-              <a:gs pos="57000">
-                <a:srgbClr val="FFC000">
-                  <a:lumMod val="100000"/>
-                </a:srgbClr>
+              <a:gs pos="66000">
+                <a:schemeClr val="bg1">
+                  <a:lumMod val="85000"/>
+                </a:schemeClr>
               </a:gs>
               <a:gs pos="100000">
-                <a:srgbClr val="FFC000">
-                  <a:lumMod val="100000"/>
-                </a:srgbClr>
+                <a:schemeClr val="bg1">
+                  <a:lumMod val="85000"/>
+                </a:schemeClr>
               </a:gs>
             </a:gsLst>
             <a:lin ang="10800000" scaled="1"/>
           </a:gradFill>
-          <a:ln w="3175">
+          <a:ln w="6350">
             <a:solidFill>
               <a:schemeClr val="tx1">
                 <a:lumMod val="75000"/>

--- a/docs/Mockups/First Draft/Draft Goals Mockup.pptx
+++ b/docs/Mockups/First Draft/Draft Goals Mockup.pptx
@@ -288,7 +288,7 @@
           <a:p>
             <a:fld id="{ECB3C1DC-EE09-436C-876C-1E4BB35BFE0C}" type="datetimeFigureOut">
               <a:rPr lang="en-US" smtClean="0"/>
-              <a:t>1/20/2014</a:t>
+              <a:t>1/22/2014</a:t>
             </a:fld>
             <a:endParaRPr lang="en-US"/>
           </a:p>
@@ -458,7 +458,7 @@
           <a:p>
             <a:fld id="{ECB3C1DC-EE09-436C-876C-1E4BB35BFE0C}" type="datetimeFigureOut">
               <a:rPr lang="en-US" smtClean="0"/>
-              <a:t>1/20/2014</a:t>
+              <a:t>1/22/2014</a:t>
             </a:fld>
             <a:endParaRPr lang="en-US"/>
           </a:p>
@@ -638,7 +638,7 @@
           <a:p>
             <a:fld id="{ECB3C1DC-EE09-436C-876C-1E4BB35BFE0C}" type="datetimeFigureOut">
               <a:rPr lang="en-US" smtClean="0"/>
-              <a:t>1/20/2014</a:t>
+              <a:t>1/22/2014</a:t>
             </a:fld>
             <a:endParaRPr lang="en-US"/>
           </a:p>
@@ -808,7 +808,7 @@
           <a:p>
             <a:fld id="{ECB3C1DC-EE09-436C-876C-1E4BB35BFE0C}" type="datetimeFigureOut">
               <a:rPr lang="en-US" smtClean="0"/>
-              <a:t>1/20/2014</a:t>
+              <a:t>1/22/2014</a:t>
             </a:fld>
             <a:endParaRPr lang="en-US"/>
           </a:p>
@@ -1054,7 +1054,7 @@
           <a:p>
             <a:fld id="{ECB3C1DC-EE09-436C-876C-1E4BB35BFE0C}" type="datetimeFigureOut">
               <a:rPr lang="en-US" smtClean="0"/>
-              <a:t>1/20/2014</a:t>
+              <a:t>1/22/2014</a:t>
             </a:fld>
             <a:endParaRPr lang="en-US"/>
           </a:p>
@@ -1342,7 +1342,7 @@
           <a:p>
             <a:fld id="{ECB3C1DC-EE09-436C-876C-1E4BB35BFE0C}" type="datetimeFigureOut">
               <a:rPr lang="en-US" smtClean="0"/>
-              <a:t>1/20/2014</a:t>
+              <a:t>1/22/2014</a:t>
             </a:fld>
             <a:endParaRPr lang="en-US"/>
           </a:p>
@@ -1764,7 +1764,7 @@
           <a:p>
             <a:fld id="{ECB3C1DC-EE09-436C-876C-1E4BB35BFE0C}" type="datetimeFigureOut">
               <a:rPr lang="en-US" smtClean="0"/>
-              <a:t>1/20/2014</a:t>
+              <a:t>1/22/2014</a:t>
             </a:fld>
             <a:endParaRPr lang="en-US"/>
           </a:p>
@@ -1882,7 +1882,7 @@
           <a:p>
             <a:fld id="{ECB3C1DC-EE09-436C-876C-1E4BB35BFE0C}" type="datetimeFigureOut">
               <a:rPr lang="en-US" smtClean="0"/>
-              <a:t>1/20/2014</a:t>
+              <a:t>1/22/2014</a:t>
             </a:fld>
             <a:endParaRPr lang="en-US"/>
           </a:p>
@@ -1977,7 +1977,7 @@
           <a:p>
             <a:fld id="{ECB3C1DC-EE09-436C-876C-1E4BB35BFE0C}" type="datetimeFigureOut">
               <a:rPr lang="en-US" smtClean="0"/>
-              <a:t>1/20/2014</a:t>
+              <a:t>1/22/2014</a:t>
             </a:fld>
             <a:endParaRPr lang="en-US"/>
           </a:p>
@@ -2254,7 +2254,7 @@
           <a:p>
             <a:fld id="{ECB3C1DC-EE09-436C-876C-1E4BB35BFE0C}" type="datetimeFigureOut">
               <a:rPr lang="en-US" smtClean="0"/>
-              <a:t>1/20/2014</a:t>
+              <a:t>1/22/2014</a:t>
             </a:fld>
             <a:endParaRPr lang="en-US"/>
           </a:p>
@@ -2507,7 +2507,7 @@
           <a:p>
             <a:fld id="{ECB3C1DC-EE09-436C-876C-1E4BB35BFE0C}" type="datetimeFigureOut">
               <a:rPr lang="en-US" smtClean="0"/>
-              <a:t>1/20/2014</a:t>
+              <a:t>1/22/2014</a:t>
             </a:fld>
             <a:endParaRPr lang="en-US"/>
           </a:p>
@@ -2720,7 +2720,7 @@
           <a:p>
             <a:fld id="{ECB3C1DC-EE09-436C-876C-1E4BB35BFE0C}" type="datetimeFigureOut">
               <a:rPr lang="en-US" smtClean="0"/>
-              <a:t>1/20/2014</a:t>
+              <a:t>1/22/2014</a:t>
             </a:fld>
             <a:endParaRPr lang="en-US"/>
           </a:p>
@@ -3964,34 +3964,21 @@
         <p:spPr>
           <a:xfrm>
             <a:off x="8153400" y="1778290"/>
-            <a:ext cx="457200" cy="386772"/>
+            <a:ext cx="274320" cy="274320"/>
           </a:xfrm>
           <a:prstGeom prst="mathPlus">
             <a:avLst/>
           </a:prstGeom>
-          <a:gradFill flip="none" rotWithShape="1">
-            <a:gsLst>
-              <a:gs pos="0">
-                <a:srgbClr val="FFC000">
-                  <a:lumMod val="28000"/>
-                  <a:lumOff val="72000"/>
-                </a:srgbClr>
-              </a:gs>
-              <a:gs pos="57000">
-                <a:srgbClr val="FFC000"/>
-              </a:gs>
-              <a:gs pos="100000">
-                <a:srgbClr val="FFC000"/>
-              </a:gs>
-            </a:gsLst>
-            <a:lin ang="10800000" scaled="1"/>
-            <a:tileRect/>
-          </a:gradFill>
+          <a:solidFill>
+            <a:schemeClr val="bg1">
+              <a:lumMod val="85000"/>
+            </a:schemeClr>
+          </a:solidFill>
           <a:ln w="3175">
             <a:solidFill>
               <a:schemeClr val="tx1">
-                <a:lumMod val="75000"/>
-                <a:lumOff val="25000"/>
+                <a:lumMod val="65000"/>
+                <a:lumOff val="35000"/>
               </a:schemeClr>
             </a:solidFill>
           </a:ln>

--- a/docs/Mockups/First Draft/Draft Goals Mockup.pptx
+++ b/docs/Mockups/First Draft/Draft Goals Mockup.pptx
@@ -288,7 +288,7 @@
           <a:p>
             <a:fld id="{ECB3C1DC-EE09-436C-876C-1E4BB35BFE0C}" type="datetimeFigureOut">
               <a:rPr lang="en-US" smtClean="0"/>
-              <a:t>1/22/2014</a:t>
+              <a:t>1/28/2014</a:t>
             </a:fld>
             <a:endParaRPr lang="en-US"/>
           </a:p>
@@ -458,7 +458,7 @@
           <a:p>
             <a:fld id="{ECB3C1DC-EE09-436C-876C-1E4BB35BFE0C}" type="datetimeFigureOut">
               <a:rPr lang="en-US" smtClean="0"/>
-              <a:t>1/22/2014</a:t>
+              <a:t>1/28/2014</a:t>
             </a:fld>
             <a:endParaRPr lang="en-US"/>
           </a:p>
@@ -638,7 +638,7 @@
           <a:p>
             <a:fld id="{ECB3C1DC-EE09-436C-876C-1E4BB35BFE0C}" type="datetimeFigureOut">
               <a:rPr lang="en-US" smtClean="0"/>
-              <a:t>1/22/2014</a:t>
+              <a:t>1/28/2014</a:t>
             </a:fld>
             <a:endParaRPr lang="en-US"/>
           </a:p>
@@ -808,7 +808,7 @@
           <a:p>
             <a:fld id="{ECB3C1DC-EE09-436C-876C-1E4BB35BFE0C}" type="datetimeFigureOut">
               <a:rPr lang="en-US" smtClean="0"/>
-              <a:t>1/22/2014</a:t>
+              <a:t>1/28/2014</a:t>
             </a:fld>
             <a:endParaRPr lang="en-US"/>
           </a:p>
@@ -1054,7 +1054,7 @@
           <a:p>
             <a:fld id="{ECB3C1DC-EE09-436C-876C-1E4BB35BFE0C}" type="datetimeFigureOut">
               <a:rPr lang="en-US" smtClean="0"/>
-              <a:t>1/22/2014</a:t>
+              <a:t>1/28/2014</a:t>
             </a:fld>
             <a:endParaRPr lang="en-US"/>
           </a:p>
@@ -1342,7 +1342,7 @@
           <a:p>
             <a:fld id="{ECB3C1DC-EE09-436C-876C-1E4BB35BFE0C}" type="datetimeFigureOut">
               <a:rPr lang="en-US" smtClean="0"/>
-              <a:t>1/22/2014</a:t>
+              <a:t>1/28/2014</a:t>
             </a:fld>
             <a:endParaRPr lang="en-US"/>
           </a:p>
@@ -1764,7 +1764,7 @@
           <a:p>
             <a:fld id="{ECB3C1DC-EE09-436C-876C-1E4BB35BFE0C}" type="datetimeFigureOut">
               <a:rPr lang="en-US" smtClean="0"/>
-              <a:t>1/22/2014</a:t>
+              <a:t>1/28/2014</a:t>
             </a:fld>
             <a:endParaRPr lang="en-US"/>
           </a:p>
@@ -1882,7 +1882,7 @@
           <a:p>
             <a:fld id="{ECB3C1DC-EE09-436C-876C-1E4BB35BFE0C}" type="datetimeFigureOut">
               <a:rPr lang="en-US" smtClean="0"/>
-              <a:t>1/22/2014</a:t>
+              <a:t>1/28/2014</a:t>
             </a:fld>
             <a:endParaRPr lang="en-US"/>
           </a:p>
@@ -1977,7 +1977,7 @@
           <a:p>
             <a:fld id="{ECB3C1DC-EE09-436C-876C-1E4BB35BFE0C}" type="datetimeFigureOut">
               <a:rPr lang="en-US" smtClean="0"/>
-              <a:t>1/22/2014</a:t>
+              <a:t>1/28/2014</a:t>
             </a:fld>
             <a:endParaRPr lang="en-US"/>
           </a:p>
@@ -2254,7 +2254,7 @@
           <a:p>
             <a:fld id="{ECB3C1DC-EE09-436C-876C-1E4BB35BFE0C}" type="datetimeFigureOut">
               <a:rPr lang="en-US" smtClean="0"/>
-              <a:t>1/22/2014</a:t>
+              <a:t>1/28/2014</a:t>
             </a:fld>
             <a:endParaRPr lang="en-US"/>
           </a:p>
@@ -2507,7 +2507,7 @@
           <a:p>
             <a:fld id="{ECB3C1DC-EE09-436C-876C-1E4BB35BFE0C}" type="datetimeFigureOut">
               <a:rPr lang="en-US" smtClean="0"/>
-              <a:t>1/22/2014</a:t>
+              <a:t>1/28/2014</a:t>
             </a:fld>
             <a:endParaRPr lang="en-US"/>
           </a:p>
@@ -2720,7 +2720,7 @@
           <a:p>
             <a:fld id="{ECB3C1DC-EE09-436C-876C-1E4BB35BFE0C}" type="datetimeFigureOut">
               <a:rPr lang="en-US" smtClean="0"/>
-              <a:t>1/22/2014</a:t>
+              <a:t>1/28/2014</a:t>
             </a:fld>
             <a:endParaRPr lang="en-US"/>
           </a:p>
@@ -3970,9 +3970,7 @@
             <a:avLst/>
           </a:prstGeom>
           <a:solidFill>
-            <a:schemeClr val="bg1">
-              <a:lumMod val="85000"/>
-            </a:schemeClr>
+            <a:srgbClr val="028835"/>
           </a:solidFill>
           <a:ln w="3175">
             <a:solidFill>

--- a/docs/Mockups/First Draft/Draft Goals Mockup.pptx
+++ b/docs/Mockups/First Draft/Draft Goals Mockup.pptx
@@ -3969,14 +3969,26 @@
           <a:prstGeom prst="mathPlus">
             <a:avLst/>
           </a:prstGeom>
-          <a:solidFill>
-            <a:srgbClr val="028835"/>
-          </a:solidFill>
+          <a:gradFill>
+            <a:gsLst>
+              <a:gs pos="0">
+                <a:schemeClr val="bg1">
+                  <a:lumMod val="90000"/>
+                </a:schemeClr>
+              </a:gs>
+              <a:gs pos="100000">
+                <a:schemeClr val="bg1">
+                  <a:lumMod val="90000"/>
+                </a:schemeClr>
+              </a:gs>
+            </a:gsLst>
+            <a:lin ang="5400000" scaled="0"/>
+          </a:gradFill>
           <a:ln w="3175">
             <a:solidFill>
               <a:schemeClr val="tx1">
-                <a:lumMod val="65000"/>
-                <a:lumOff val="35000"/>
+                <a:lumMod val="85000"/>
+                <a:lumOff val="15000"/>
               </a:schemeClr>
             </a:solidFill>
           </a:ln>
